--- a/Vplyv umelej inteligencie na sach - Cederle Marek.pptx
+++ b/Vplyv umelej inteligencie na sach - Cederle Marek.pptx
@@ -901,9 +901,6 @@
   <p:clrMapOvr>
     <a:masterClrMapping/>
   </p:clrMapOvr>
-  <p:transition spd="slow">
-    <p:wipe/>
-  </p:transition>
 </p:sldLayout>
 </file>
 
@@ -1155,9 +1152,6 @@
   <p:clrMapOvr>
     <a:masterClrMapping/>
   </p:clrMapOvr>
-  <p:transition spd="slow">
-    <p:wipe/>
-  </p:transition>
 </p:sldLayout>
 </file>
 
@@ -1562,9 +1556,6 @@
   <p:clrMapOvr>
     <a:masterClrMapping/>
   </p:clrMapOvr>
-  <p:transition spd="slow">
-    <p:wipe/>
-  </p:transition>
 </p:sldLayout>
 </file>
 
@@ -1816,9 +1807,6 @@
   <p:clrMapOvr>
     <a:masterClrMapping/>
   </p:clrMapOvr>
-  <p:transition spd="slow">
-    <p:wipe/>
-  </p:transition>
 </p:sldLayout>
 </file>
 
@@ -2215,9 +2203,6 @@
   <p:clrMapOvr>
     <a:masterClrMapping/>
   </p:clrMapOvr>
-  <p:transition spd="slow">
-    <p:wipe/>
-  </p:transition>
 </p:sldLayout>
 </file>
 
@@ -2529,9 +2514,6 @@
   <p:clrMapOvr>
     <a:masterClrMapping/>
   </p:clrMapOvr>
-  <p:transition spd="slow">
-    <p:wipe/>
-  </p:transition>
 </p:sldLayout>
 </file>
 
@@ -2702,9 +2684,6 @@
   <p:clrMapOvr>
     <a:masterClrMapping/>
   </p:clrMapOvr>
-  <p:transition spd="slow">
-    <p:wipe/>
-  </p:transition>
 </p:sldLayout>
 </file>
 
@@ -2885,9 +2864,6 @@
   <p:clrMapOvr>
     <a:masterClrMapping/>
   </p:clrMapOvr>
-  <p:transition spd="slow">
-    <p:wipe/>
-  </p:transition>
 </p:sldLayout>
 </file>
 
@@ -3064,9 +3040,6 @@
   <p:clrMapOvr>
     <a:masterClrMapping/>
   </p:clrMapOvr>
-  <p:transition spd="slow">
-    <p:wipe/>
-  </p:transition>
 </p:sldLayout>
 </file>
 
@@ -3314,9 +3287,6 @@
   <p:clrMapOvr>
     <a:masterClrMapping/>
   </p:clrMapOvr>
-  <p:transition spd="slow">
-    <p:wipe/>
-  </p:transition>
 </p:sldLayout>
 </file>
 
@@ -3549,9 +3519,6 @@
   <p:clrMapOvr>
     <a:masterClrMapping/>
   </p:clrMapOvr>
-  <p:transition spd="slow">
-    <p:wipe/>
-  </p:transition>
 </p:sldLayout>
 </file>
 
@@ -3926,9 +3893,6 @@
   <p:clrMapOvr>
     <a:masterClrMapping/>
   </p:clrMapOvr>
-  <p:transition spd="slow">
-    <p:wipe/>
-  </p:transition>
 </p:sldLayout>
 </file>
 
@@ -4052,9 +4016,6 @@
   <p:clrMapOvr>
     <a:masterClrMapping/>
   </p:clrMapOvr>
-  <p:transition spd="slow">
-    <p:wipe/>
-  </p:transition>
 </p:sldLayout>
 </file>
 
@@ -4150,9 +4111,6 @@
   <p:clrMapOvr>
     <a:masterClrMapping/>
   </p:clrMapOvr>
-  <p:transition spd="slow">
-    <p:wipe/>
-  </p:transition>
 </p:sldLayout>
 </file>
 
@@ -4408,9 +4366,6 @@
   <p:clrMapOvr>
     <a:masterClrMapping/>
   </p:clrMapOvr>
-  <p:transition spd="slow">
-    <p:wipe/>
-  </p:transition>
 </p:sldLayout>
 </file>
 
@@ -4674,9 +4629,6 @@
   <p:clrMapOvr>
     <a:masterClrMapping/>
   </p:clrMapOvr>
-  <p:transition spd="slow">
-    <p:wipe/>
-  </p:transition>
 </p:sldLayout>
 </file>
 
@@ -5470,9 +5422,6 @@
     <p:sldLayoutId id="2147483675" r:id="rId15"/>
     <p:sldLayoutId id="2147483676" r:id="rId16"/>
   </p:sldLayoutIdLst>
-  <p:transition spd="slow">
-    <p:wipe/>
-  </p:transition>
   <p:txStyles>
     <p:titleStyle>
       <a:lvl1pPr algn="l" defTabSz="457200" rtl="0" eaLnBrk="1" latinLnBrk="0" hangingPunct="1">
@@ -6754,9 +6703,6 @@
   <p:clrMapOvr>
     <a:overrideClrMapping bg1="dk1" tx1="lt1" bg2="dk2" tx2="lt2" accent1="accent1" accent2="accent2" accent3="accent3" accent4="accent4" accent5="accent5" accent6="accent6" hlink="hlink" folHlink="folHlink"/>
   </p:clrMapOvr>
-  <p:transition spd="slow">
-    <p:wipe/>
-  </p:transition>
 </p:sld>
 </file>
 
@@ -7600,18 +7546,21 @@
           <a:lstStyle/>
           <a:p>
             <a:r>
-              <a:rPr lang="sk-SK" dirty="0" err="1"/>
-              <a:t>Lorem</a:t>
-            </a:r>
-            <a:r>
               <a:rPr lang="sk-SK" dirty="0"/>
-              <a:t> </a:t>
-            </a:r>
-            <a:r>
-              <a:rPr lang="sk-SK" dirty="0" err="1"/>
-              <a:t>ipsum</a:t>
-            </a:r>
-            <a:endParaRPr lang="sk-SK" dirty="0"/>
+              <a:t>Šach je ideálnym spôsobom, ako otestovať umelú inteligenciu. Je to boj medzi ľudskou intuíciou a obrovským výpočtovým výkonom</a:t>
+            </a:r>
+          </a:p>
+          <a:p>
+            <a:r>
+              <a:rPr lang="sk-SK" dirty="0"/>
+              <a:t>V budúcnosti bude veľmi dôležité ako sa zachovať pri podozreniach z podvádzania v šachu</a:t>
+            </a:r>
+          </a:p>
+          <a:p>
+            <a:r>
+              <a:rPr lang="sk-SK" dirty="0"/>
+              <a:t>Budeme ďalej sledovať pokrok umelej inteligencie a či dokáže prekonať dnešné bariéry</a:t>
+            </a:r>
           </a:p>
         </p:txBody>
       </p:sp>
@@ -7625,9 +7574,6 @@
   <p:clrMapOvr>
     <a:overrideClrMapping bg1="dk1" tx1="lt1" bg2="dk2" tx2="lt2" accent1="accent1" accent2="accent2" accent3="accent3" accent4="accent4" accent5="accent5" accent6="accent6" hlink="hlink" folHlink="folHlink"/>
   </p:clrMapOvr>
-  <p:transition spd="slow">
-    <p:wipe/>
-  </p:transition>
 </p:sld>
 </file>
 
@@ -7759,9 +7705,6 @@
   <p:clrMapOvr>
     <a:masterClrMapping/>
   </p:clrMapOvr>
-  <p:transition spd="slow">
-    <p:wipe/>
-  </p:transition>
 </p:sld>
 </file>
 
@@ -7892,9 +7835,6 @@
   <p:clrMapOvr>
     <a:masterClrMapping/>
   </p:clrMapOvr>
-  <p:transition spd="slow">
-    <p:wipe/>
-  </p:transition>
 </p:sld>
 </file>
 
@@ -8001,9 +7941,6 @@
   <p:clrMapOvr>
     <a:masterClrMapping/>
   </p:clrMapOvr>
-  <p:transition spd="slow">
-    <p:wipe/>
-  </p:transition>
 </p:sld>
 </file>
 
@@ -9965,9 +9902,6 @@
   <p:clrMapOvr>
     <a:masterClrMapping/>
   </p:clrMapOvr>
-  <p:transition spd="slow">
-    <p:wipe/>
-  </p:transition>
 </p:sld>
 </file>
 
@@ -10115,9 +10049,6 @@
   <p:clrMapOvr>
     <a:masterClrMapping/>
   </p:clrMapOvr>
-  <p:transition spd="slow">
-    <p:wipe/>
-  </p:transition>
 </p:sld>
 </file>
 
@@ -10283,13 +10214,8 @@
             </a:r>
             <a:r>
               <a:rPr lang="sk-SK" dirty="0"/>
-              <a:t> aby mohli vymyslieť nové </a:t>
-            </a:r>
-            <a:r>
-              <a:rPr lang="sk-SK" dirty="0" err="1"/>
-              <a:t>strtégie</a:t>
-            </a:r>
-            <a:endParaRPr lang="sk-SK" dirty="0"/>
+              <a:t> aby mohli vymyslieť nové stratégie</a:t>
+            </a:r>
           </a:p>
         </p:txBody>
       </p:sp>
@@ -10303,9 +10229,6 @@
   <p:clrMapOvr>
     <a:masterClrMapping/>
   </p:clrMapOvr>
-  <p:transition spd="slow">
-    <p:wipe/>
-  </p:transition>
 </p:sld>
 </file>
 
@@ -10375,7 +10298,27 @@
           <a:bodyPr/>
           <a:lstStyle/>
           <a:p>
-            <a:endParaRPr lang="sk-SK"/>
+            <a:r>
+              <a:rPr lang="sk-SK" dirty="0"/>
+              <a:t>Predpokladalo sa, že ľudia budú využívať umelú inteligenciu na to, aby sa naučili lepšie hrať šach, bohužiaľ je táto možnosť zneužívaná na podvádzanie</a:t>
+            </a:r>
+          </a:p>
+          <a:p>
+            <a:r>
+              <a:rPr lang="sk-SK" dirty="0"/>
+              <a:t>Umelá inteligencia sa používa na zistenie, či niektorí súťažiaci hrajú lepšie, ako by mali, vzhľadom na ich históriu hier</a:t>
+            </a:r>
+          </a:p>
+          <a:p>
+            <a:r>
+              <a:rPr lang="sk-SK" dirty="0"/>
+              <a:t>Napríklad stránka Chess.com používa svoju obrovskú databázu a porovnáva pravdepodobnosť hráča urobiť najlepší možný ťah podľa daného </a:t>
+            </a:r>
+            <a:r>
+              <a:rPr lang="sk-SK" dirty="0" err="1"/>
+              <a:t>enginu</a:t>
+            </a:r>
+            <a:endParaRPr lang="sk-SK" dirty="0"/>
           </a:p>
         </p:txBody>
       </p:sp>
@@ -10389,9 +10332,6 @@
   <p:clrMapOvr>
     <a:masterClrMapping/>
   </p:clrMapOvr>
-  <p:transition spd="slow">
-    <p:wipe/>
-  </p:transition>
 </p:sld>
 </file>
 
@@ -10461,7 +10401,28 @@
           <a:bodyPr/>
           <a:lstStyle/>
           <a:p>
-            <a:endParaRPr lang="sk-SK"/>
+            <a:r>
+              <a:rPr lang="sk-SK" dirty="0"/>
+              <a:t>Obrovské problémy v kariére šachistu môže spôsobiť že hráč, ktorý nepodvádza, bude klasifikovaný ako podvodník </a:t>
+            </a:r>
+          </a:p>
+          <a:p>
+            <a:r>
+              <a:rPr lang="sk-SK" dirty="0"/>
+              <a:t>Z tohto dôvodu musia byť rozhodcovia nesmierne opatrný a konzultovať výsledok počítača ktorý označil hráča za podvodníka aj s ľudskými odborníkmi</a:t>
+            </a:r>
+          </a:p>
+          <a:p>
+            <a:r>
+              <a:rPr lang="sk-SK" dirty="0"/>
+              <a:t>Na najvyššej úrovni je toto nesmierne dôležité aby neprišlo ku diskreditácii prípadne falošným obvineniam</a:t>
+            </a:r>
+          </a:p>
+          <a:p>
+            <a:r>
+              <a:rPr lang="sk-SK" dirty="0"/>
+              <a:t>Jeden z dôvodov je že pri takýchto hráčoch nevieme či náhodou nedostal geniálnu myšlienku alebo sa mu jednoducho pošťastilo</a:t>
+            </a:r>
           </a:p>
         </p:txBody>
       </p:sp>
@@ -10475,9 +10436,6 @@
   <p:clrMapOvr>
     <a:masterClrMapping/>
   </p:clrMapOvr>
-  <p:transition spd="slow">
-    <p:wipe/>
-  </p:transition>
 </p:sld>
 </file>
 

--- a/Vplyv umelej inteligencie na sach - Cederle Marek.pptx
+++ b/Vplyv umelej inteligencie na sach - Cederle Marek.pptx
@@ -10127,94 +10127,25 @@
           <a:p>
             <a:r>
               <a:rPr lang="sk-SK" dirty="0"/>
-              <a:t>Bol to zápas medzi vtedajším majstrom sveta </a:t>
-            </a:r>
-            <a:r>
-              <a:rPr lang="sk-SK" dirty="0" err="1"/>
-              <a:t>Garrym</a:t>
-            </a:r>
+              <a:t>Bol to zápas medzi vtedajším majstrom sveta Garrym Kasparovom a počítačom Deep Blue od spoločnosti IBM</a:t>
+            </a:r>
+          </a:p>
+          <a:p>
             <a:r>
               <a:rPr lang="sk-SK" dirty="0"/>
-              <a:t> </a:t>
-            </a:r>
-            <a:r>
-              <a:rPr lang="sk-SK" dirty="0" err="1"/>
-              <a:t>Kasparovom</a:t>
-            </a:r>
+              <a:t>Počítač využíval hrubú silu (brute force) tým že za ním nebola priveľká logika, snažil sa iba vypočítať všetky možné ťahy a prehľadával milióny pozícií</a:t>
+            </a:r>
+          </a:p>
+          <a:p>
             <a:r>
               <a:rPr lang="sk-SK" dirty="0"/>
-              <a:t> a počítačom </a:t>
-            </a:r>
-            <a:r>
-              <a:rPr lang="sk-SK" dirty="0" err="1"/>
-              <a:t>Deep</a:t>
-            </a:r>
+              <a:t>Od vtedy sa výkon superpočítačov posunul tak, že žiadny človek nemá šancu poraziť jeden z najlepších šachových enginov AlphaZero</a:t>
+            </a:r>
+          </a:p>
+          <a:p>
             <a:r>
               <a:rPr lang="sk-SK" dirty="0"/>
-              <a:t> </a:t>
-            </a:r>
-            <a:r>
-              <a:rPr lang="sk-SK" dirty="0" err="1"/>
-              <a:t>Blue</a:t>
-            </a:r>
-            <a:r>
-              <a:rPr lang="sk-SK" dirty="0"/>
-              <a:t> od spoločnosti IBM</a:t>
-            </a:r>
-          </a:p>
-          <a:p>
-            <a:r>
-              <a:rPr lang="sk-SK" dirty="0"/>
-              <a:t>Počítač využíval hrubú silu (</a:t>
-            </a:r>
-            <a:r>
-              <a:rPr lang="sk-SK" dirty="0" err="1"/>
-              <a:t>brute</a:t>
-            </a:r>
-            <a:r>
-              <a:rPr lang="sk-SK" dirty="0"/>
-              <a:t> </a:t>
-            </a:r>
-            <a:r>
-              <a:rPr lang="sk-SK" dirty="0" err="1"/>
-              <a:t>force</a:t>
-            </a:r>
-            <a:r>
-              <a:rPr lang="sk-SK" dirty="0"/>
-              <a:t>) tým že za ním nebola priveľká logika, snažil sa iba vypočítať všetky možné ťahy a prehľadával milióny pozícií</a:t>
-            </a:r>
-          </a:p>
-          <a:p>
-            <a:r>
-              <a:rPr lang="sk-SK" dirty="0"/>
-              <a:t>Od vtedy sa výkon superpočítačov posunul tak, že žiadny človek nemá šancu poraziť jeden z najlepších šachových </a:t>
-            </a:r>
-            <a:r>
-              <a:rPr lang="sk-SK" dirty="0" err="1"/>
-              <a:t>enginov</a:t>
-            </a:r>
-            <a:r>
-              <a:rPr lang="sk-SK" dirty="0"/>
-              <a:t> </a:t>
-            </a:r>
-            <a:r>
-              <a:rPr lang="sk-SK" dirty="0" err="1"/>
-              <a:t>AlphaZero</a:t>
-            </a:r>
-            <a:endParaRPr lang="sk-SK" dirty="0"/>
-          </a:p>
-          <a:p>
-            <a:r>
-              <a:rPr lang="sk-SK" dirty="0"/>
-              <a:t>V dnešnej dobe sami hráči študujú partie tohto </a:t>
-            </a:r>
-            <a:r>
-              <a:rPr lang="sk-SK" dirty="0" err="1"/>
-              <a:t>enginu</a:t>
-            </a:r>
-            <a:r>
-              <a:rPr lang="sk-SK" dirty="0"/>
-              <a:t> aby mohli vymyslieť nové stratégie</a:t>
+              <a:t>V dnešnej dobe sami hráči študujú partie tohto enginu aby mohli vymyslieť nové stratégie</a:t>
             </a:r>
           </a:p>
         </p:txBody>
@@ -10312,13 +10243,8 @@
           <a:p>
             <a:r>
               <a:rPr lang="sk-SK" dirty="0"/>
-              <a:t>Napríklad stránka Chess.com používa svoju obrovskú databázu a porovnáva pravdepodobnosť hráča urobiť najlepší možný ťah podľa daného </a:t>
-            </a:r>
-            <a:r>
-              <a:rPr lang="sk-SK" dirty="0" err="1"/>
-              <a:t>enginu</a:t>
-            </a:r>
-            <a:endParaRPr lang="sk-SK" dirty="0"/>
+              <a:t>Napríklad stránka Chess.com používa svoju obrovskú databázu a porovnáva pravdepodobnosť hráča urobiť najlepší možný ťah podľa daného enginu</a:t>
+            </a:r>
           </a:p>
         </p:txBody>
       </p:sp>
